--- a/PPT 발표자료/UCPC_2018_예선/UCPC 2018 예선 이동석 풀이.pptx
+++ b/PPT 발표자료/UCPC_2018_예선/UCPC 2018 예선 이동석 풀이.pptx
@@ -17,6 +17,11 @@
     <p:sldId id="263" r:id="rId11"/>
     <p:sldId id="264" r:id="rId12"/>
     <p:sldId id="265" r:id="rId13"/>
+    <p:sldId id="268" r:id="rId14"/>
+    <p:sldId id="269" r:id="rId15"/>
+    <p:sldId id="270" r:id="rId16"/>
+    <p:sldId id="271" r:id="rId17"/>
+    <p:sldId id="272" r:id="rId18"/>
   </p:sldIdLst>
   <p:sldSz cx="12192000" cy="6858000"/>
   <p:notesSz cx="6858000" cy="9144000"/>
@@ -314,7 +319,7 @@
           <a:p>
             <a:fld id="{980A1007-4F24-4018-A762-EEE8DA215667}" type="datetimeFigureOut">
               <a:rPr lang="ko-KR" altLang="en-US" smtClean="0"/>
-              <a:t>2019-07-06</a:t>
+              <a:t>2019-07-08</a:t>
             </a:fld>
             <a:endParaRPr lang="ko-KR" altLang="en-US"/>
           </a:p>
@@ -750,7 +755,7 @@
           <a:p>
             <a:fld id="{980A1007-4F24-4018-A762-EEE8DA215667}" type="datetimeFigureOut">
               <a:rPr lang="ko-KR" altLang="en-US" smtClean="0"/>
-              <a:t>2019-07-06</a:t>
+              <a:t>2019-07-08</a:t>
             </a:fld>
             <a:endParaRPr lang="ko-KR" altLang="en-US"/>
           </a:p>
@@ -1000,7 +1005,7 @@
           <a:p>
             <a:fld id="{980A1007-4F24-4018-A762-EEE8DA215667}" type="datetimeFigureOut">
               <a:rPr lang="ko-KR" altLang="en-US" smtClean="0"/>
-              <a:t>2019-07-06</a:t>
+              <a:t>2019-07-08</a:t>
             </a:fld>
             <a:endParaRPr lang="ko-KR" altLang="en-US"/>
           </a:p>
@@ -1308,7 +1313,7 @@
           <a:p>
             <a:fld id="{980A1007-4F24-4018-A762-EEE8DA215667}" type="datetimeFigureOut">
               <a:rPr lang="ko-KR" altLang="en-US" smtClean="0"/>
-              <a:t>2019-07-06</a:t>
+              <a:t>2019-07-08</a:t>
             </a:fld>
             <a:endParaRPr lang="ko-KR" altLang="en-US"/>
           </a:p>
@@ -1626,7 +1631,7 @@
           <a:p>
             <a:fld id="{980A1007-4F24-4018-A762-EEE8DA215667}" type="datetimeFigureOut">
               <a:rPr lang="ko-KR" altLang="en-US" smtClean="0"/>
-              <a:t>2019-07-06</a:t>
+              <a:t>2019-07-08</a:t>
             </a:fld>
             <a:endParaRPr lang="ko-KR" altLang="en-US"/>
           </a:p>
@@ -1928,7 +1933,7 @@
           <a:p>
             <a:fld id="{980A1007-4F24-4018-A762-EEE8DA215667}" type="datetimeFigureOut">
               <a:rPr lang="ko-KR" altLang="en-US" smtClean="0"/>
-              <a:t>2019-07-06</a:t>
+              <a:t>2019-07-08</a:t>
             </a:fld>
             <a:endParaRPr lang="ko-KR" altLang="en-US"/>
           </a:p>
@@ -2295,7 +2300,7 @@
           <a:p>
             <a:fld id="{980A1007-4F24-4018-A762-EEE8DA215667}" type="datetimeFigureOut">
               <a:rPr lang="ko-KR" altLang="en-US" smtClean="0"/>
-              <a:t>2019-07-06</a:t>
+              <a:t>2019-07-08</a:t>
             </a:fld>
             <a:endParaRPr lang="ko-KR" altLang="en-US"/>
           </a:p>
@@ -2469,7 +2474,7 @@
           <a:p>
             <a:fld id="{980A1007-4F24-4018-A762-EEE8DA215667}" type="datetimeFigureOut">
               <a:rPr lang="ko-KR" altLang="en-US" smtClean="0"/>
-              <a:t>2019-07-06</a:t>
+              <a:t>2019-07-08</a:t>
             </a:fld>
             <a:endParaRPr lang="ko-KR" altLang="en-US"/>
           </a:p>
@@ -2649,7 +2654,7 @@
           <a:p>
             <a:fld id="{980A1007-4F24-4018-A762-EEE8DA215667}" type="datetimeFigureOut">
               <a:rPr lang="ko-KR" altLang="en-US" smtClean="0"/>
-              <a:t>2019-07-06</a:t>
+              <a:t>2019-07-08</a:t>
             </a:fld>
             <a:endParaRPr lang="ko-KR" altLang="en-US"/>
           </a:p>
@@ -2819,7 +2824,7 @@
           <a:p>
             <a:fld id="{980A1007-4F24-4018-A762-EEE8DA215667}" type="datetimeFigureOut">
               <a:rPr lang="ko-KR" altLang="en-US" smtClean="0"/>
-              <a:t>2019-07-06</a:t>
+              <a:t>2019-07-08</a:t>
             </a:fld>
             <a:endParaRPr lang="ko-KR" altLang="en-US"/>
           </a:p>
@@ -3069,7 +3074,7 @@
           <a:p>
             <a:fld id="{980A1007-4F24-4018-A762-EEE8DA215667}" type="datetimeFigureOut">
               <a:rPr lang="ko-KR" altLang="en-US" smtClean="0"/>
-              <a:t>2019-07-06</a:t>
+              <a:t>2019-07-08</a:t>
             </a:fld>
             <a:endParaRPr lang="ko-KR" altLang="en-US"/>
           </a:p>
@@ -3305,7 +3310,7 @@
           <a:p>
             <a:fld id="{980A1007-4F24-4018-A762-EEE8DA215667}" type="datetimeFigureOut">
               <a:rPr lang="ko-KR" altLang="en-US" smtClean="0"/>
-              <a:t>2019-07-06</a:t>
+              <a:t>2019-07-08</a:t>
             </a:fld>
             <a:endParaRPr lang="ko-KR" altLang="en-US"/>
           </a:p>
@@ -3687,7 +3692,7 @@
           <a:p>
             <a:fld id="{980A1007-4F24-4018-A762-EEE8DA215667}" type="datetimeFigureOut">
               <a:rPr lang="ko-KR" altLang="en-US" smtClean="0"/>
-              <a:t>2019-07-06</a:t>
+              <a:t>2019-07-08</a:t>
             </a:fld>
             <a:endParaRPr lang="ko-KR" altLang="en-US"/>
           </a:p>
@@ -3805,7 +3810,7 @@
           <a:p>
             <a:fld id="{980A1007-4F24-4018-A762-EEE8DA215667}" type="datetimeFigureOut">
               <a:rPr lang="ko-KR" altLang="en-US" smtClean="0"/>
-              <a:t>2019-07-06</a:t>
+              <a:t>2019-07-08</a:t>
             </a:fld>
             <a:endParaRPr lang="ko-KR" altLang="en-US"/>
           </a:p>
@@ -3900,7 +3905,7 @@
           <a:p>
             <a:fld id="{980A1007-4F24-4018-A762-EEE8DA215667}" type="datetimeFigureOut">
               <a:rPr lang="ko-KR" altLang="en-US" smtClean="0"/>
-              <a:t>2019-07-06</a:t>
+              <a:t>2019-07-08</a:t>
             </a:fld>
             <a:endParaRPr lang="ko-KR" altLang="en-US"/>
           </a:p>
@@ -4155,7 +4160,7 @@
           <a:p>
             <a:fld id="{980A1007-4F24-4018-A762-EEE8DA215667}" type="datetimeFigureOut">
               <a:rPr lang="ko-KR" altLang="en-US" smtClean="0"/>
-              <a:t>2019-07-06</a:t>
+              <a:t>2019-07-08</a:t>
             </a:fld>
             <a:endParaRPr lang="ko-KR" altLang="en-US"/>
           </a:p>
@@ -4438,7 +4443,7 @@
           <a:p>
             <a:fld id="{980A1007-4F24-4018-A762-EEE8DA215667}" type="datetimeFigureOut">
               <a:rPr lang="ko-KR" altLang="en-US" smtClean="0"/>
-              <a:t>2019-07-06</a:t>
+              <a:t>2019-07-08</a:t>
             </a:fld>
             <a:endParaRPr lang="ko-KR" altLang="en-US"/>
           </a:p>
@@ -4844,7 +4849,7 @@
           <a:p>
             <a:fld id="{980A1007-4F24-4018-A762-EEE8DA215667}" type="datetimeFigureOut">
               <a:rPr lang="ko-KR" altLang="en-US" smtClean="0"/>
-              <a:t>2019-07-06</a:t>
+              <a:t>2019-07-08</a:t>
             </a:fld>
             <a:endParaRPr lang="ko-KR" altLang="en-US"/>
           </a:p>
@@ -5895,6 +5900,968 @@
 </p:sld>
 </file>
 
+<file path=ppt/slides/slide13.xml><?xml version="1.0" encoding="utf-8"?>
+<p:sld xmlns:a="http://schemas.openxmlformats.org/drawingml/2006/main" xmlns:r="http://schemas.openxmlformats.org/officeDocument/2006/relationships" xmlns:p="http://schemas.openxmlformats.org/presentationml/2006/main">
+  <p:cSld>
+    <p:spTree>
+      <p:nvGrpSpPr>
+        <p:cNvPr id="1" name=""/>
+        <p:cNvGrpSpPr/>
+        <p:nvPr/>
+      </p:nvGrpSpPr>
+      <p:grpSpPr>
+        <a:xfrm>
+          <a:off x="0" y="0"/>
+          <a:ext cx="0" cy="0"/>
+          <a:chOff x="0" y="0"/>
+          <a:chExt cx="0" cy="0"/>
+        </a:xfrm>
+      </p:grpSpPr>
+      <p:sp>
+        <p:nvSpPr>
+          <p:cNvPr id="2" name="제목 1">
+            <a:extLst>
+              <a:ext uri="{FF2B5EF4-FFF2-40B4-BE49-F238E27FC236}">
+                <a16:creationId xmlns:a16="http://schemas.microsoft.com/office/drawing/2014/main" id="{0F7D9D16-6100-4ADF-AF38-5C937DCBB9E1}"/>
+              </a:ext>
+            </a:extLst>
+          </p:cNvPr>
+          <p:cNvSpPr>
+            <a:spLocks noGrp="1"/>
+          </p:cNvSpPr>
+          <p:nvPr>
+            <p:ph type="title"/>
+          </p:nvPr>
+        </p:nvSpPr>
+        <p:spPr/>
+        <p:txBody>
+          <a:bodyPr/>
+          <a:lstStyle/>
+          <a:p>
+            <a:r>
+              <a:rPr lang="ko-KR" altLang="en-US" dirty="0"/>
+              <a:t>너무 어려워서 보고함</a:t>
+            </a:r>
+            <a:r>
+              <a:rPr lang="en-US" altLang="ko-KR" dirty="0"/>
+              <a:t>.</a:t>
+            </a:r>
+            <a:endParaRPr lang="ko-KR" altLang="en-US" dirty="0"/>
+          </a:p>
+        </p:txBody>
+      </p:sp>
+      <p:sp>
+        <p:nvSpPr>
+          <p:cNvPr id="3" name="내용 개체 틀 2">
+            <a:extLst>
+              <a:ext uri="{FF2B5EF4-FFF2-40B4-BE49-F238E27FC236}">
+                <a16:creationId xmlns:a16="http://schemas.microsoft.com/office/drawing/2014/main" id="{F8D66718-725F-48ED-8B6B-45400299856E}"/>
+              </a:ext>
+            </a:extLst>
+          </p:cNvPr>
+          <p:cNvSpPr>
+            <a:spLocks noGrp="1"/>
+          </p:cNvSpPr>
+          <p:nvPr>
+            <p:ph idx="1"/>
+          </p:nvPr>
+        </p:nvSpPr>
+        <p:spPr/>
+        <p:txBody>
+          <a:bodyPr/>
+          <a:lstStyle/>
+          <a:p>
+            <a:r>
+              <a:rPr lang="ko-KR" altLang="en-US" dirty="0"/>
+              <a:t>백준 </a:t>
+            </a:r>
+            <a:r>
+              <a:rPr lang="en-US" altLang="ko-KR" dirty="0"/>
+              <a:t>15896</a:t>
+            </a:r>
+            <a:r>
+              <a:rPr lang="ko-KR" altLang="en-US" dirty="0"/>
+              <a:t>번 </a:t>
+            </a:r>
+            <a:r>
+              <a:rPr lang="en-US" altLang="ko-KR" dirty="0"/>
+              <a:t>&amp;+ +&amp;</a:t>
+            </a:r>
+            <a:r>
+              <a:rPr lang="en-US" altLang="ko-KR" b="1" dirty="0"/>
+              <a:t>[</a:t>
+            </a:r>
+            <a:r>
+              <a:rPr lang="ko-KR" altLang="en-US" b="1" dirty="0"/>
+              <a:t>출처</a:t>
+            </a:r>
+            <a:r>
+              <a:rPr lang="en-US" altLang="ko-KR" b="1" dirty="0"/>
+              <a:t>]</a:t>
+            </a:r>
+            <a:r>
+              <a:rPr lang="ko-KR" altLang="en-US" dirty="0"/>
+              <a:t> </a:t>
+            </a:r>
+            <a:r>
+              <a:rPr lang="ko-KR" altLang="en-US" dirty="0">
+                <a:hlinkClick r:id="rId2"/>
+              </a:rPr>
+              <a:t>백준 </a:t>
+            </a:r>
+            <a:r>
+              <a:rPr lang="en-US" altLang="ko-KR" dirty="0">
+                <a:hlinkClick r:id="rId2"/>
+              </a:rPr>
+              <a:t>15896</a:t>
+            </a:r>
+            <a:r>
+              <a:rPr lang="ko-KR" altLang="en-US" dirty="0">
+                <a:hlinkClick r:id="rId2"/>
+              </a:rPr>
+              <a:t>번 </a:t>
+            </a:r>
+            <a:r>
+              <a:rPr lang="en-US" altLang="ko-KR" dirty="0">
+                <a:hlinkClick r:id="rId2"/>
+              </a:rPr>
+              <a:t>&amp;+ +&amp;</a:t>
+            </a:r>
+            <a:r>
+              <a:rPr lang="en-US" altLang="ko-KR" dirty="0"/>
+              <a:t>|</a:t>
+            </a:r>
+            <a:r>
+              <a:rPr lang="ko-KR" altLang="en-US" b="1" dirty="0"/>
+              <a:t>작성자</a:t>
+            </a:r>
+            <a:r>
+              <a:rPr lang="ko-KR" altLang="en-US" dirty="0"/>
+              <a:t> </a:t>
+            </a:r>
+            <a:r>
+              <a:rPr lang="en-US" altLang="ko-KR" dirty="0">
+                <a:hlinkClick r:id="rId3"/>
+              </a:rPr>
+              <a:t>njw1204</a:t>
+            </a:r>
+            <a:endParaRPr lang="ko-KR" altLang="en-US" dirty="0"/>
+          </a:p>
+          <a:p>
+            <a:endParaRPr lang="ko-KR" altLang="en-US" dirty="0"/>
+          </a:p>
+        </p:txBody>
+      </p:sp>
+    </p:spTree>
+    <p:extLst>
+      <p:ext uri="{BB962C8B-B14F-4D97-AF65-F5344CB8AC3E}">
+        <p14:creationId xmlns:p14="http://schemas.microsoft.com/office/powerpoint/2010/main" val="777991765"/>
+      </p:ext>
+    </p:extLst>
+  </p:cSld>
+  <p:clrMapOvr>
+    <a:masterClrMapping/>
+  </p:clrMapOvr>
+</p:sld>
+</file>
+
+<file path=ppt/slides/slide14.xml><?xml version="1.0" encoding="utf-8"?>
+<p:sld xmlns:a="http://schemas.openxmlformats.org/drawingml/2006/main" xmlns:r="http://schemas.openxmlformats.org/officeDocument/2006/relationships" xmlns:p="http://schemas.openxmlformats.org/presentationml/2006/main">
+  <p:cSld>
+    <p:spTree>
+      <p:nvGrpSpPr>
+        <p:cNvPr id="1" name=""/>
+        <p:cNvGrpSpPr/>
+        <p:nvPr/>
+      </p:nvGrpSpPr>
+      <p:grpSpPr>
+        <a:xfrm>
+          <a:off x="0" y="0"/>
+          <a:ext cx="0" cy="0"/>
+          <a:chOff x="0" y="0"/>
+          <a:chExt cx="0" cy="0"/>
+        </a:xfrm>
+      </p:grpSpPr>
+      <p:sp>
+        <p:nvSpPr>
+          <p:cNvPr id="2" name="제목 1">
+            <a:extLst>
+              <a:ext uri="{FF2B5EF4-FFF2-40B4-BE49-F238E27FC236}">
+                <a16:creationId xmlns:a16="http://schemas.microsoft.com/office/drawing/2014/main" id="{01B65A2F-9AA8-434A-8C5F-D5CCC75A5937}"/>
+              </a:ext>
+            </a:extLst>
+          </p:cNvPr>
+          <p:cNvSpPr>
+            <a:spLocks noGrp="1"/>
+          </p:cNvSpPr>
+          <p:nvPr>
+            <p:ph type="title"/>
+          </p:nvPr>
+        </p:nvSpPr>
+        <p:spPr/>
+        <p:txBody>
+          <a:bodyPr/>
+          <a:lstStyle/>
+          <a:p>
+            <a:r>
+              <a:rPr lang="en-US" altLang="ko-KR" dirty="0">
+                <a:hlinkClick r:id="rId2"/>
+              </a:rPr>
+              <a:t>https://www.acmicpc.net/problem/15896</a:t>
+            </a:r>
+            <a:endParaRPr lang="ko-KR" altLang="en-US" dirty="0"/>
+          </a:p>
+        </p:txBody>
+      </p:sp>
+      <p:pic>
+        <p:nvPicPr>
+          <p:cNvPr id="4" name="내용 개체 틀 3">
+            <a:extLst>
+              <a:ext uri="{FF2B5EF4-FFF2-40B4-BE49-F238E27FC236}">
+                <a16:creationId xmlns:a16="http://schemas.microsoft.com/office/drawing/2014/main" id="{ABBF9572-FF26-4751-831B-107A1A848D33}"/>
+              </a:ext>
+            </a:extLst>
+          </p:cNvPr>
+          <p:cNvPicPr>
+            <a:picLocks noGrp="1" noChangeAspect="1"/>
+          </p:cNvPicPr>
+          <p:nvPr>
+            <p:ph idx="1"/>
+          </p:nvPr>
+        </p:nvPicPr>
+        <p:blipFill>
+          <a:blip r:embed="rId3"/>
+          <a:stretch>
+            <a:fillRect/>
+          </a:stretch>
+        </p:blipFill>
+        <p:spPr>
+          <a:xfrm>
+            <a:off x="413550" y="216544"/>
+            <a:ext cx="8534400" cy="3455970"/>
+          </a:xfrm>
+          <a:prstGeom prst="rect">
+            <a:avLst/>
+          </a:prstGeom>
+        </p:spPr>
+      </p:pic>
+      <p:sp>
+        <p:nvSpPr>
+          <p:cNvPr id="5" name="TextBox 4">
+            <a:extLst>
+              <a:ext uri="{FF2B5EF4-FFF2-40B4-BE49-F238E27FC236}">
+                <a16:creationId xmlns:a16="http://schemas.microsoft.com/office/drawing/2014/main" id="{705B6292-4EED-4309-9258-BD244ADC9BDD}"/>
+              </a:ext>
+            </a:extLst>
+          </p:cNvPr>
+          <p:cNvSpPr txBox="1"/>
+          <p:nvPr/>
+        </p:nvSpPr>
+        <p:spPr>
+          <a:xfrm>
+            <a:off x="766618" y="3934691"/>
+            <a:ext cx="10429458" cy="369332"/>
+          </a:xfrm>
+          <a:prstGeom prst="rect">
+            <a:avLst/>
+          </a:prstGeom>
+          <a:noFill/>
+        </p:spPr>
+        <p:txBody>
+          <a:bodyPr wrap="none" rtlCol="0">
+            <a:spAutoFit/>
+          </a:bodyPr>
+          <a:lstStyle/>
+          <a:p>
+            <a:r>
+              <a:rPr lang="ko-KR" altLang="en-US" dirty="0"/>
+              <a:t>문제의 핵심은 </a:t>
+            </a:r>
+            <a:r>
+              <a:rPr lang="ko-KR" altLang="en-US" dirty="0" err="1"/>
+              <a:t>빅오를</a:t>
+            </a:r>
+            <a:r>
+              <a:rPr lang="ko-KR" altLang="en-US" dirty="0"/>
+              <a:t> 줄이는 것</a:t>
+            </a:r>
+            <a:r>
+              <a:rPr lang="en-US" altLang="ko-KR" dirty="0"/>
+              <a:t>. </a:t>
+            </a:r>
+            <a:r>
+              <a:rPr lang="ko-KR" altLang="en-US" dirty="0"/>
+              <a:t>단순히 계산하면 </a:t>
+            </a:r>
+            <a:r>
+              <a:rPr lang="en-US" altLang="ko-KR" dirty="0"/>
+              <a:t>O(n</a:t>
+            </a:r>
+            <a:r>
+              <a:rPr lang="ko-KR" altLang="en-US" dirty="0"/>
+              <a:t>제곱</a:t>
+            </a:r>
+            <a:r>
+              <a:rPr lang="en-US" altLang="ko-KR" dirty="0"/>
+              <a:t>)</a:t>
+            </a:r>
+            <a:r>
+              <a:rPr lang="ko-KR" altLang="en-US" dirty="0"/>
+              <a:t>인데 </a:t>
+            </a:r>
+            <a:r>
+              <a:rPr lang="en-US" altLang="ko-KR" dirty="0"/>
+              <a:t>n </a:t>
+            </a:r>
+            <a:r>
+              <a:rPr lang="ko-KR" altLang="en-US" dirty="0"/>
+              <a:t>이 </a:t>
+            </a:r>
+            <a:r>
+              <a:rPr lang="en-US" altLang="ko-KR" dirty="0"/>
+              <a:t>10</a:t>
+            </a:r>
+            <a:r>
+              <a:rPr lang="ko-KR" altLang="en-US" dirty="0"/>
+              <a:t>의 </a:t>
+            </a:r>
+            <a:r>
+              <a:rPr lang="en-US" altLang="ko-KR" dirty="0"/>
+              <a:t>6</a:t>
+            </a:r>
+            <a:r>
+              <a:rPr lang="ko-KR" altLang="en-US" dirty="0"/>
+              <a:t>승이면 시간초과가 난다</a:t>
+            </a:r>
+            <a:r>
+              <a:rPr lang="en-US" altLang="ko-KR" dirty="0"/>
+              <a:t>.</a:t>
+            </a:r>
+            <a:endParaRPr lang="ko-KR" altLang="en-US" dirty="0"/>
+          </a:p>
+        </p:txBody>
+      </p:sp>
+    </p:spTree>
+    <p:extLst>
+      <p:ext uri="{BB962C8B-B14F-4D97-AF65-F5344CB8AC3E}">
+        <p14:creationId xmlns:p14="http://schemas.microsoft.com/office/powerpoint/2010/main" val="1891377129"/>
+      </p:ext>
+    </p:extLst>
+  </p:cSld>
+  <p:clrMapOvr>
+    <a:masterClrMapping/>
+  </p:clrMapOvr>
+</p:sld>
+</file>
+
+<file path=ppt/slides/slide15.xml><?xml version="1.0" encoding="utf-8"?>
+<p:sld xmlns:a="http://schemas.openxmlformats.org/drawingml/2006/main" xmlns:r="http://schemas.openxmlformats.org/officeDocument/2006/relationships" xmlns:p="http://schemas.openxmlformats.org/presentationml/2006/main">
+  <p:cSld>
+    <p:spTree>
+      <p:nvGrpSpPr>
+        <p:cNvPr id="1" name=""/>
+        <p:cNvGrpSpPr/>
+        <p:nvPr/>
+      </p:nvGrpSpPr>
+      <p:grpSpPr>
+        <a:xfrm>
+          <a:off x="0" y="0"/>
+          <a:ext cx="0" cy="0"/>
+          <a:chOff x="0" y="0"/>
+          <a:chExt cx="0" cy="0"/>
+        </a:xfrm>
+      </p:grpSpPr>
+      <p:sp>
+        <p:nvSpPr>
+          <p:cNvPr id="2" name="제목 1">
+            <a:extLst>
+              <a:ext uri="{FF2B5EF4-FFF2-40B4-BE49-F238E27FC236}">
+                <a16:creationId xmlns:a16="http://schemas.microsoft.com/office/drawing/2014/main" id="{B3F71F42-B8AD-4860-8E82-E63324903CCD}"/>
+              </a:ext>
+            </a:extLst>
+          </p:cNvPr>
+          <p:cNvSpPr>
+            <a:spLocks noGrp="1"/>
+          </p:cNvSpPr>
+          <p:nvPr>
+            <p:ph type="title"/>
+          </p:nvPr>
+        </p:nvSpPr>
+        <p:spPr>
+          <a:xfrm>
+            <a:off x="1020711" y="1836115"/>
+            <a:ext cx="8534400" cy="4467689"/>
+          </a:xfrm>
+        </p:spPr>
+        <p:txBody>
+          <a:bodyPr>
+            <a:normAutofit fontScale="90000"/>
+          </a:bodyPr>
+          <a:lstStyle/>
+          <a:p>
+            <a:r>
+              <a:rPr lang="ko-KR" altLang="en-US" dirty="0"/>
+              <a:t>우선 </a:t>
+            </a:r>
+            <a:r>
+              <a:rPr lang="en-US" altLang="ko-KR" dirty="0"/>
+              <a:t>A</a:t>
+            </a:r>
+            <a:r>
+              <a:rPr lang="ko-KR" altLang="en-US" dirty="0"/>
+              <a:t>의 모든 것에서 </a:t>
+            </a:r>
+            <a:r>
+              <a:rPr lang="en-US" altLang="ko-KR" dirty="0"/>
+              <a:t>bit </a:t>
+            </a:r>
+            <a:r>
+              <a:rPr lang="ko-KR" altLang="en-US" dirty="0"/>
+              <a:t>결과를 </a:t>
+            </a:r>
+            <a:r>
+              <a:rPr lang="en-US" altLang="ko-KR" dirty="0" err="1"/>
+              <a:t>bitcnt</a:t>
+            </a:r>
+            <a:r>
+              <a:rPr lang="ko-KR" altLang="en-US" dirty="0"/>
+              <a:t>에 저장함</a:t>
+            </a:r>
+            <a:r>
+              <a:rPr lang="en-US" altLang="ko-KR" dirty="0"/>
+              <a:t>.</a:t>
+            </a:r>
+            <a:br>
+              <a:rPr lang="en-US" altLang="ko-KR" dirty="0"/>
+            </a:br>
+            <a:br>
+              <a:rPr lang="en-US" altLang="ko-KR" dirty="0"/>
+            </a:br>
+            <a:r>
+              <a:rPr lang="ko-KR" altLang="en-US" dirty="0"/>
+              <a:t>합산을 먼저하자</a:t>
+            </a:r>
+            <a:r>
+              <a:rPr lang="en-US" altLang="ko-KR" dirty="0"/>
+              <a:t>! </a:t>
+            </a:r>
+            <a:r>
+              <a:rPr lang="ko-KR" altLang="en-US" dirty="0"/>
+              <a:t>그러면 </a:t>
+            </a:r>
+            <a:r>
+              <a:rPr lang="ko-KR" altLang="en-US" dirty="0" err="1"/>
+              <a:t>빅오를</a:t>
+            </a:r>
+            <a:r>
+              <a:rPr lang="ko-KR" altLang="en-US" dirty="0"/>
+              <a:t> </a:t>
+            </a:r>
+            <a:r>
+              <a:rPr lang="en-US" altLang="ko-KR" dirty="0"/>
+              <a:t>n</a:t>
+            </a:r>
+            <a:r>
+              <a:rPr lang="ko-KR" altLang="en-US" dirty="0"/>
+              <a:t>으로 </a:t>
+            </a:r>
+            <a:r>
+              <a:rPr lang="ko-KR" altLang="en-US" dirty="0" err="1"/>
+              <a:t>줄일수</a:t>
+            </a:r>
+            <a:r>
+              <a:rPr lang="ko-KR" altLang="en-US" dirty="0"/>
+              <a:t> 있음</a:t>
+            </a:r>
+            <a:r>
+              <a:rPr lang="en-US" altLang="ko-KR" dirty="0"/>
+              <a:t>.</a:t>
+            </a:r>
+            <a:br>
+              <a:rPr lang="en-US" altLang="ko-KR" dirty="0"/>
+            </a:br>
+            <a:r>
+              <a:rPr lang="en-US" altLang="ko-KR" dirty="0"/>
+              <a:t>Bit </a:t>
+            </a:r>
+            <a:r>
+              <a:rPr lang="en-US" altLang="ko-KR" dirty="0" err="1"/>
+              <a:t>cnt</a:t>
+            </a:r>
+            <a:r>
+              <a:rPr lang="ko-KR" altLang="en-US" dirty="0"/>
+              <a:t>는 길이 </a:t>
+            </a:r>
+            <a:r>
+              <a:rPr lang="en-US" altLang="ko-KR" dirty="0"/>
+              <a:t>30</a:t>
+            </a:r>
+            <a:r>
+              <a:rPr lang="ko-KR" altLang="en-US" dirty="0"/>
+              <a:t>짜리이다</a:t>
+            </a:r>
+            <a:r>
+              <a:rPr lang="en-US" altLang="ko-KR" dirty="0"/>
+              <a:t>. </a:t>
+            </a:r>
+            <a:br>
+              <a:rPr lang="en-US" altLang="ko-KR" dirty="0"/>
+            </a:br>
+            <a:r>
+              <a:rPr lang="ko-KR" altLang="en-US" dirty="0"/>
+              <a:t>즉 만약 </a:t>
+            </a:r>
+            <a:r>
+              <a:rPr lang="en-US" altLang="ko-KR" dirty="0" err="1"/>
+              <a:t>bitcnt</a:t>
+            </a:r>
+            <a:r>
+              <a:rPr lang="en-US" altLang="ko-KR" dirty="0"/>
+              <a:t>[3] = 3 </a:t>
+            </a:r>
+            <a:r>
+              <a:rPr lang="ko-KR" altLang="en-US" dirty="0"/>
+              <a:t>이라면 </a:t>
+            </a:r>
+            <a:r>
+              <a:rPr lang="en-US" altLang="ko-KR" dirty="0"/>
+              <a:t>A</a:t>
+            </a:r>
+            <a:r>
+              <a:rPr lang="ko-KR" altLang="en-US" dirty="0"/>
+              <a:t>의 </a:t>
+            </a:r>
+            <a:r>
+              <a:rPr lang="ko-KR" altLang="en-US" dirty="0" err="1"/>
+              <a:t>모든것에서</a:t>
+            </a:r>
+            <a:r>
+              <a:rPr lang="ko-KR" altLang="en-US" dirty="0"/>
+              <a:t> </a:t>
+            </a:r>
+            <a:r>
+              <a:rPr lang="en-US" altLang="ko-KR" dirty="0"/>
+              <a:t>3</a:t>
+            </a:r>
+            <a:r>
+              <a:rPr lang="ko-KR" altLang="en-US" dirty="0"/>
+              <a:t>번째 </a:t>
+            </a:r>
+            <a:r>
+              <a:rPr lang="en-US" altLang="ko-KR" dirty="0"/>
+              <a:t>bit</a:t>
+            </a:r>
+            <a:r>
+              <a:rPr lang="ko-KR" altLang="en-US" dirty="0"/>
+              <a:t>값을 </a:t>
+            </a:r>
+            <a:r>
+              <a:rPr lang="en-US" altLang="ko-KR" dirty="0"/>
+              <a:t>3</a:t>
+            </a:r>
+            <a:r>
+              <a:rPr lang="ko-KR" altLang="en-US" dirty="0"/>
+              <a:t>번 가졌다는 뜻이다</a:t>
+            </a:r>
+            <a:r>
+              <a:rPr lang="en-US" altLang="ko-KR" dirty="0"/>
+              <a:t>.</a:t>
+            </a:r>
+            <a:br>
+              <a:rPr lang="en-US" altLang="ko-KR" dirty="0"/>
+            </a:br>
+            <a:endParaRPr lang="ko-KR" altLang="en-US" dirty="0"/>
+          </a:p>
+        </p:txBody>
+      </p:sp>
+      <p:sp>
+        <p:nvSpPr>
+          <p:cNvPr id="3" name="내용 개체 틀 2">
+            <a:extLst>
+              <a:ext uri="{FF2B5EF4-FFF2-40B4-BE49-F238E27FC236}">
+                <a16:creationId xmlns:a16="http://schemas.microsoft.com/office/drawing/2014/main" id="{F21549CD-0442-4641-A2AB-D96EDCE021A3}"/>
+              </a:ext>
+            </a:extLst>
+          </p:cNvPr>
+          <p:cNvSpPr>
+            <a:spLocks noGrp="1"/>
+          </p:cNvSpPr>
+          <p:nvPr>
+            <p:ph idx="1"/>
+          </p:nvPr>
+        </p:nvSpPr>
+        <p:spPr>
+          <a:xfrm>
+            <a:off x="684212" y="685801"/>
+            <a:ext cx="8534400" cy="1507068"/>
+          </a:xfrm>
+        </p:spPr>
+        <p:txBody>
+          <a:bodyPr/>
+          <a:lstStyle/>
+          <a:p>
+            <a:r>
+              <a:rPr lang="ko-KR" altLang="en-US" dirty="0"/>
+              <a:t>첫번째 출력 </a:t>
+            </a:r>
+            <a:r>
+              <a:rPr lang="en-US" altLang="ko-KR" dirty="0"/>
+              <a:t>:  Ai</a:t>
+            </a:r>
+            <a:r>
+              <a:rPr lang="ko-KR" altLang="en-US" dirty="0"/>
+              <a:t> 와 </a:t>
+            </a:r>
+            <a:r>
+              <a:rPr lang="en-US" altLang="ko-KR" dirty="0" err="1"/>
+              <a:t>Bj</a:t>
+            </a:r>
+            <a:r>
+              <a:rPr lang="ko-KR" altLang="en-US" dirty="0"/>
+              <a:t>의 </a:t>
+            </a:r>
+            <a:r>
+              <a:rPr lang="en-US" altLang="ko-KR" dirty="0"/>
+              <a:t>&amp; </a:t>
+            </a:r>
+            <a:r>
+              <a:rPr lang="ko-KR" altLang="en-US" dirty="0"/>
+              <a:t>이후 합산 결과 </a:t>
+            </a:r>
+            <a:r>
+              <a:rPr lang="en-US" altLang="ko-KR" dirty="0"/>
+              <a:t>(1999</a:t>
+            </a:r>
+            <a:r>
+              <a:rPr lang="ko-KR" altLang="en-US" dirty="0"/>
+              <a:t>로 나눈 나머지</a:t>
+            </a:r>
+            <a:r>
+              <a:rPr lang="en-US" altLang="ko-KR" dirty="0"/>
+              <a:t>)</a:t>
+            </a:r>
+            <a:endParaRPr lang="ko-KR" altLang="en-US" dirty="0"/>
+          </a:p>
+        </p:txBody>
+      </p:sp>
+    </p:spTree>
+    <p:extLst>
+      <p:ext uri="{BB962C8B-B14F-4D97-AF65-F5344CB8AC3E}">
+        <p14:creationId xmlns:p14="http://schemas.microsoft.com/office/powerpoint/2010/main" val="2141127100"/>
+      </p:ext>
+    </p:extLst>
+  </p:cSld>
+  <p:clrMapOvr>
+    <a:masterClrMapping/>
+  </p:clrMapOvr>
+</p:sld>
+</file>
+
+<file path=ppt/slides/slide16.xml><?xml version="1.0" encoding="utf-8"?>
+<p:sld xmlns:a="http://schemas.openxmlformats.org/drawingml/2006/main" xmlns:r="http://schemas.openxmlformats.org/officeDocument/2006/relationships" xmlns:p="http://schemas.openxmlformats.org/presentationml/2006/main">
+  <p:cSld>
+    <p:spTree>
+      <p:nvGrpSpPr>
+        <p:cNvPr id="1" name=""/>
+        <p:cNvGrpSpPr/>
+        <p:nvPr/>
+      </p:nvGrpSpPr>
+      <p:grpSpPr>
+        <a:xfrm>
+          <a:off x="0" y="0"/>
+          <a:ext cx="0" cy="0"/>
+          <a:chOff x="0" y="0"/>
+          <a:chExt cx="0" cy="0"/>
+        </a:xfrm>
+      </p:grpSpPr>
+      <p:sp>
+        <p:nvSpPr>
+          <p:cNvPr id="2" name="제목 1">
+            <a:extLst>
+              <a:ext uri="{FF2B5EF4-FFF2-40B4-BE49-F238E27FC236}">
+                <a16:creationId xmlns:a16="http://schemas.microsoft.com/office/drawing/2014/main" id="{478E731E-7989-4828-8717-7C543F137730}"/>
+              </a:ext>
+            </a:extLst>
+          </p:cNvPr>
+          <p:cNvSpPr>
+            <a:spLocks noGrp="1"/>
+          </p:cNvSpPr>
+          <p:nvPr>
+            <p:ph type="title"/>
+          </p:nvPr>
+        </p:nvSpPr>
+        <p:spPr/>
+        <p:txBody>
+          <a:bodyPr>
+            <a:normAutofit fontScale="90000"/>
+          </a:bodyPr>
+          <a:lstStyle/>
+          <a:p>
+            <a:r>
+              <a:rPr lang="en-US" altLang="ko-KR" dirty="0" err="1"/>
+              <a:t>bj</a:t>
+            </a:r>
+            <a:r>
+              <a:rPr lang="ko-KR" altLang="en-US" dirty="0"/>
+              <a:t>에다가 </a:t>
+            </a:r>
+            <a:r>
+              <a:rPr lang="en-US" altLang="ko-KR" dirty="0"/>
+              <a:t>30</a:t>
+            </a:r>
+            <a:r>
+              <a:rPr lang="ko-KR" altLang="en-US" dirty="0"/>
+              <a:t>번째 </a:t>
+            </a:r>
+            <a:r>
+              <a:rPr lang="en-US" altLang="ko-KR" dirty="0"/>
+              <a:t>bit</a:t>
+            </a:r>
+            <a:r>
+              <a:rPr lang="ko-KR" altLang="en-US" dirty="0"/>
+              <a:t>까지 </a:t>
+            </a:r>
+            <a:r>
+              <a:rPr lang="en-US" altLang="ko-KR" dirty="0"/>
+              <a:t>and</a:t>
+            </a:r>
+            <a:r>
+              <a:rPr lang="ko-KR" altLang="en-US" dirty="0"/>
+              <a:t> 연산해서 </a:t>
+            </a:r>
+            <a:r>
+              <a:rPr lang="en-US" altLang="ko-KR" dirty="0"/>
+              <a:t>X</a:t>
+            </a:r>
+            <a:r>
+              <a:rPr lang="ko-KR" altLang="en-US" dirty="0"/>
+              <a:t>번째에 같은 것이 나오면 </a:t>
+            </a:r>
+            <a:br>
+              <a:rPr lang="en-US" altLang="ko-KR" dirty="0"/>
+            </a:br>
+            <a:r>
+              <a:rPr lang="ko-KR" altLang="en-US" dirty="0"/>
+              <a:t>이진수 </a:t>
+            </a:r>
+            <a:r>
+              <a:rPr lang="en-US" altLang="ko-KR" dirty="0"/>
+              <a:t>1301  </a:t>
+            </a:r>
+            <a:r>
+              <a:rPr lang="ko-KR" altLang="en-US" dirty="0"/>
+              <a:t>에서 </a:t>
+            </a:r>
+            <a:r>
+              <a:rPr lang="en-US" altLang="ko-KR" dirty="0"/>
+              <a:t>x</a:t>
+            </a:r>
+            <a:r>
+              <a:rPr lang="ko-KR" altLang="en-US" dirty="0"/>
+              <a:t>번째 비트에 해당하는 숫자 </a:t>
+            </a:r>
+            <a:r>
+              <a:rPr lang="en-US" altLang="ko-KR" dirty="0"/>
+              <a:t>+ 2^x</a:t>
+            </a:r>
+            <a:r>
+              <a:rPr lang="ko-KR" altLang="en-US" dirty="0"/>
+              <a:t>를 결과</a:t>
+            </a:r>
+            <a:r>
+              <a:rPr lang="en-US" altLang="ko-KR" dirty="0"/>
+              <a:t>sum </a:t>
+            </a:r>
+            <a:r>
+              <a:rPr lang="ko-KR" altLang="en-US" dirty="0"/>
+              <a:t>에 더해서 저장한다</a:t>
+            </a:r>
+            <a:r>
+              <a:rPr lang="en-US" altLang="ko-KR" dirty="0"/>
+              <a:t>.</a:t>
+            </a:r>
+            <a:br>
+              <a:rPr lang="en-US" altLang="ko-KR" dirty="0"/>
+            </a:br>
+            <a:endParaRPr lang="ko-KR" altLang="en-US" dirty="0"/>
+          </a:p>
+        </p:txBody>
+      </p:sp>
+      <p:pic>
+        <p:nvPicPr>
+          <p:cNvPr id="4" name="내용 개체 틀 3">
+            <a:extLst>
+              <a:ext uri="{FF2B5EF4-FFF2-40B4-BE49-F238E27FC236}">
+                <a16:creationId xmlns:a16="http://schemas.microsoft.com/office/drawing/2014/main" id="{F0D836F5-6070-410D-8019-AC21D67FA3C6}"/>
+              </a:ext>
+            </a:extLst>
+          </p:cNvPr>
+          <p:cNvPicPr>
+            <a:picLocks noGrp="1" noChangeAspect="1"/>
+          </p:cNvPicPr>
+          <p:nvPr>
+            <p:ph idx="1"/>
+          </p:nvPr>
+        </p:nvPicPr>
+        <p:blipFill>
+          <a:blip r:embed="rId2"/>
+          <a:stretch>
+            <a:fillRect/>
+          </a:stretch>
+        </p:blipFill>
+        <p:spPr>
+          <a:xfrm>
+            <a:off x="4183964" y="498101"/>
+            <a:ext cx="6962775" cy="3009900"/>
+          </a:xfrm>
+          <a:prstGeom prst="rect">
+            <a:avLst/>
+          </a:prstGeom>
+        </p:spPr>
+      </p:pic>
+    </p:spTree>
+    <p:extLst>
+      <p:ext uri="{BB962C8B-B14F-4D97-AF65-F5344CB8AC3E}">
+        <p14:creationId xmlns:p14="http://schemas.microsoft.com/office/powerpoint/2010/main" val="366080616"/>
+      </p:ext>
+    </p:extLst>
+  </p:cSld>
+  <p:clrMapOvr>
+    <a:masterClrMapping/>
+  </p:clrMapOvr>
+</p:sld>
+</file>
+
+<file path=ppt/slides/slide17.xml><?xml version="1.0" encoding="utf-8"?>
+<p:sld xmlns:a="http://schemas.openxmlformats.org/drawingml/2006/main" xmlns:r="http://schemas.openxmlformats.org/officeDocument/2006/relationships" xmlns:p="http://schemas.openxmlformats.org/presentationml/2006/main">
+  <p:cSld>
+    <p:spTree>
+      <p:nvGrpSpPr>
+        <p:cNvPr id="1" name=""/>
+        <p:cNvGrpSpPr/>
+        <p:nvPr/>
+      </p:nvGrpSpPr>
+      <p:grpSpPr>
+        <a:xfrm>
+          <a:off x="0" y="0"/>
+          <a:ext cx="0" cy="0"/>
+          <a:chOff x="0" y="0"/>
+          <a:chExt cx="0" cy="0"/>
+        </a:xfrm>
+      </p:grpSpPr>
+      <p:sp>
+        <p:nvSpPr>
+          <p:cNvPr id="2" name="제목 1">
+            <a:extLst>
+              <a:ext uri="{FF2B5EF4-FFF2-40B4-BE49-F238E27FC236}">
+                <a16:creationId xmlns:a16="http://schemas.microsoft.com/office/drawing/2014/main" id="{AAED491A-9441-4440-AB38-C15C637F2C7D}"/>
+              </a:ext>
+            </a:extLst>
+          </p:cNvPr>
+          <p:cNvSpPr>
+            <a:spLocks noGrp="1"/>
+          </p:cNvSpPr>
+          <p:nvPr>
+            <p:ph type="title"/>
+          </p:nvPr>
+        </p:nvSpPr>
+        <p:spPr>
+          <a:xfrm>
+            <a:off x="721157" y="5189296"/>
+            <a:ext cx="8534400" cy="1507067"/>
+          </a:xfrm>
+        </p:spPr>
+        <p:txBody>
+          <a:bodyPr>
+            <a:normAutofit/>
+          </a:bodyPr>
+          <a:lstStyle/>
+          <a:p>
+            <a:r>
+              <a:rPr lang="en-US" altLang="ko-KR" sz="1000" dirty="0">
+                <a:hlinkClick r:id="rId2"/>
+              </a:rPr>
+              <a:t>http://blog.naver.com/PostView.nhn?blogId=njw1204&amp;logNo=221459439369&amp;categoryNo=76&amp;parentCategoryNo=0&amp;viewDate=&amp;currentPage=1&amp;postListTopCurrentPage=1&amp;from=search</a:t>
+            </a:r>
+            <a:br>
+              <a:rPr lang="en-US" altLang="ko-KR" sz="1000" dirty="0"/>
+            </a:br>
+            <a:br>
+              <a:rPr lang="en-US" altLang="ko-KR" sz="1000" dirty="0"/>
+            </a:br>
+            <a:r>
+              <a:rPr lang="ko-KR" altLang="en-US" sz="1000" dirty="0"/>
+              <a:t>자세한 내용은 링크 참조</a:t>
+            </a:r>
+            <a:r>
+              <a:rPr lang="en-US" altLang="ko-KR" sz="1000" dirty="0"/>
+              <a:t>. 2</a:t>
+            </a:r>
+            <a:r>
+              <a:rPr lang="ko-KR" altLang="en-US" sz="1000" dirty="0"/>
+              <a:t>번째 출력은 푸는 것</a:t>
+            </a:r>
+            <a:r>
+              <a:rPr lang="en-US" altLang="ko-KR" sz="1000" dirty="0"/>
+              <a:t>, </a:t>
+            </a:r>
+            <a:r>
+              <a:rPr lang="ko-KR" altLang="en-US" sz="1000" dirty="0"/>
+              <a:t>이해하는 것 둘다 실패함</a:t>
+            </a:r>
+            <a:r>
+              <a:rPr lang="en-US" altLang="ko-KR" sz="1000" dirty="0"/>
+              <a:t>.</a:t>
+            </a:r>
+            <a:endParaRPr lang="ko-KR" altLang="en-US" sz="1000" dirty="0"/>
+          </a:p>
+        </p:txBody>
+      </p:sp>
+      <p:pic>
+        <p:nvPicPr>
+          <p:cNvPr id="4" name="내용 개체 틀 3">
+            <a:extLst>
+              <a:ext uri="{FF2B5EF4-FFF2-40B4-BE49-F238E27FC236}">
+                <a16:creationId xmlns:a16="http://schemas.microsoft.com/office/drawing/2014/main" id="{0F63890C-0323-49BF-8A51-3E8494BEB125}"/>
+              </a:ext>
+            </a:extLst>
+          </p:cNvPr>
+          <p:cNvPicPr>
+            <a:picLocks noGrp="1" noChangeAspect="1"/>
+          </p:cNvPicPr>
+          <p:nvPr>
+            <p:ph idx="1"/>
+          </p:nvPr>
+        </p:nvPicPr>
+        <p:blipFill>
+          <a:blip r:embed="rId3"/>
+          <a:stretch>
+            <a:fillRect/>
+          </a:stretch>
+        </p:blipFill>
+        <p:spPr>
+          <a:xfrm>
+            <a:off x="615176" y="316345"/>
+            <a:ext cx="6238206" cy="5118748"/>
+          </a:xfrm>
+          <a:prstGeom prst="rect">
+            <a:avLst/>
+          </a:prstGeom>
+        </p:spPr>
+      </p:pic>
+    </p:spTree>
+    <p:extLst>
+      <p:ext uri="{BB962C8B-B14F-4D97-AF65-F5344CB8AC3E}">
+        <p14:creationId xmlns:p14="http://schemas.microsoft.com/office/powerpoint/2010/main" val="654316818"/>
+      </p:ext>
+    </p:extLst>
+  </p:cSld>
+  <p:clrMapOvr>
+    <a:masterClrMapping/>
+  </p:clrMapOvr>
+</p:sld>
+</file>
+
 <file path=ppt/slides/slide2.xml><?xml version="1.0" encoding="utf-8"?>
 <p:sld xmlns:a="http://schemas.openxmlformats.org/drawingml/2006/main" xmlns:r="http://schemas.openxmlformats.org/officeDocument/2006/relationships" xmlns:p="http://schemas.openxmlformats.org/presentationml/2006/main">
   <p:cSld>
